--- a/images/projects/buttons08.pptx
+++ b/images/projects/buttons08.pptx
@@ -259,7 +259,7 @@
           <a:p>
             <a:fld id="{40FD3D9A-36CF-C845-9F31-DDC271F1AF6B}" type="datetimeFigureOut">
               <a:rPr lang="en-GB" smtClean="0"/>
-              <a:t>18/12/2024</a:t>
+              <a:t>21/01/2025</a:t>
             </a:fld>
             <a:endParaRPr lang="en-GB"/>
           </a:p>
@@ -457,7 +457,7 @@
           <a:p>
             <a:fld id="{40FD3D9A-36CF-C845-9F31-DDC271F1AF6B}" type="datetimeFigureOut">
               <a:rPr lang="en-GB" smtClean="0"/>
-              <a:t>18/12/2024</a:t>
+              <a:t>21/01/2025</a:t>
             </a:fld>
             <a:endParaRPr lang="en-GB"/>
           </a:p>
@@ -665,7 +665,7 @@
           <a:p>
             <a:fld id="{40FD3D9A-36CF-C845-9F31-DDC271F1AF6B}" type="datetimeFigureOut">
               <a:rPr lang="en-GB" smtClean="0"/>
-              <a:t>18/12/2024</a:t>
+              <a:t>21/01/2025</a:t>
             </a:fld>
             <a:endParaRPr lang="en-GB"/>
           </a:p>
@@ -863,7 +863,7 @@
           <a:p>
             <a:fld id="{40FD3D9A-36CF-C845-9F31-DDC271F1AF6B}" type="datetimeFigureOut">
               <a:rPr lang="en-GB" smtClean="0"/>
-              <a:t>18/12/2024</a:t>
+              <a:t>21/01/2025</a:t>
             </a:fld>
             <a:endParaRPr lang="en-GB"/>
           </a:p>
@@ -1138,7 +1138,7 @@
           <a:p>
             <a:fld id="{40FD3D9A-36CF-C845-9F31-DDC271F1AF6B}" type="datetimeFigureOut">
               <a:rPr lang="en-GB" smtClean="0"/>
-              <a:t>18/12/2024</a:t>
+              <a:t>21/01/2025</a:t>
             </a:fld>
             <a:endParaRPr lang="en-GB"/>
           </a:p>
@@ -1403,7 +1403,7 @@
           <a:p>
             <a:fld id="{40FD3D9A-36CF-C845-9F31-DDC271F1AF6B}" type="datetimeFigureOut">
               <a:rPr lang="en-GB" smtClean="0"/>
-              <a:t>18/12/2024</a:t>
+              <a:t>21/01/2025</a:t>
             </a:fld>
             <a:endParaRPr lang="en-GB"/>
           </a:p>
@@ -1815,7 +1815,7 @@
           <a:p>
             <a:fld id="{40FD3D9A-36CF-C845-9F31-DDC271F1AF6B}" type="datetimeFigureOut">
               <a:rPr lang="en-GB" smtClean="0"/>
-              <a:t>18/12/2024</a:t>
+              <a:t>21/01/2025</a:t>
             </a:fld>
             <a:endParaRPr lang="en-GB"/>
           </a:p>
@@ -1956,7 +1956,7 @@
           <a:p>
             <a:fld id="{40FD3D9A-36CF-C845-9F31-DDC271F1AF6B}" type="datetimeFigureOut">
               <a:rPr lang="en-GB" smtClean="0"/>
-              <a:t>18/12/2024</a:t>
+              <a:t>21/01/2025</a:t>
             </a:fld>
             <a:endParaRPr lang="en-GB"/>
           </a:p>
@@ -2069,7 +2069,7 @@
           <a:p>
             <a:fld id="{40FD3D9A-36CF-C845-9F31-DDC271F1AF6B}" type="datetimeFigureOut">
               <a:rPr lang="en-GB" smtClean="0"/>
-              <a:t>18/12/2024</a:t>
+              <a:t>21/01/2025</a:t>
             </a:fld>
             <a:endParaRPr lang="en-GB"/>
           </a:p>
@@ -2380,7 +2380,7 @@
           <a:p>
             <a:fld id="{40FD3D9A-36CF-C845-9F31-DDC271F1AF6B}" type="datetimeFigureOut">
               <a:rPr lang="en-GB" smtClean="0"/>
-              <a:t>18/12/2024</a:t>
+              <a:t>21/01/2025</a:t>
             </a:fld>
             <a:endParaRPr lang="en-GB"/>
           </a:p>
@@ -2668,7 +2668,7 @@
           <a:p>
             <a:fld id="{40FD3D9A-36CF-C845-9F31-DDC271F1AF6B}" type="datetimeFigureOut">
               <a:rPr lang="en-GB" smtClean="0"/>
-              <a:t>18/12/2024</a:t>
+              <a:t>21/01/2025</a:t>
             </a:fld>
             <a:endParaRPr lang="en-GB"/>
           </a:p>
@@ -2909,7 +2909,7 @@
           <a:p>
             <a:fld id="{40FD3D9A-36CF-C845-9F31-DDC271F1AF6B}" type="datetimeFigureOut">
               <a:rPr lang="en-GB" smtClean="0"/>
-              <a:t>18/12/2024</a:t>
+              <a:t>21/01/2025</a:t>
             </a:fld>
             <a:endParaRPr lang="en-GB"/>
           </a:p>
@@ -5135,17 +5135,15 @@
           <a:lstStyle/>
           <a:p>
             <a:r>
-              <a:rPr lang="en-GB" sz="1400" dirty="0">
+              <a:rPr lang="en-GB" sz="1400" i="1" dirty="0">
                 <a:solidFill>
                   <a:srgbClr val="2E5287"/>
                 </a:solidFill>
                 <a:ea typeface="Noto Sans" panose="020B0502040504020204" pitchFamily="34" charset="0"/>
                 <a:cs typeface="Noto Sans" panose="020B0502040504020204" pitchFamily="34" charset="0"/>
               </a:rPr>
-              <a:t>Immune System </a:t>
-            </a:r>
-          </a:p>
-          <a:p>
+              <a:t>P. aeruginosa</a:t>
+            </a:r>
             <a:r>
               <a:rPr lang="en-GB" sz="1400" dirty="0">
                 <a:solidFill>
@@ -5154,7 +5152,7 @@
                 <a:ea typeface="Noto Sans" panose="020B0502040504020204" pitchFamily="34" charset="0"/>
                 <a:cs typeface="Noto Sans" panose="020B0502040504020204" pitchFamily="34" charset="0"/>
               </a:rPr>
-              <a:t>Develop. </a:t>
+              <a:t> infection </a:t>
             </a:r>
             <a:r>
               <a:rPr lang="en-GB" sz="1400" dirty="0">
@@ -5302,7 +5300,7 @@
                 <a:ea typeface="Noto Sans" panose="020B0502040504020204" pitchFamily="34" charset="0"/>
                 <a:cs typeface="Noto Sans" panose="020B0502040504020204" pitchFamily="34" charset="0"/>
               </a:rPr>
-              <a:t>Cholestasis</a:t>
+              <a:t>Sepsis</a:t>
             </a:r>
           </a:p>
           <a:p>
